--- a/public/images/使用chrome进行渲染分析.pptx
+++ b/public/images/使用chrome进行渲染分析.pptx
@@ -110,6 +110,22 @@
       </a:defRPr>
     </a:lvl9pPr>
   </p:defaultTextStyle>
+  <p:extLst>
+    <p:ext uri="{EFAFB233-063F-42B5-8137-9DF3F51BA10A}">
+      <p15:sldGuideLst xmlns:p15="http://schemas.microsoft.com/office/powerpoint/2012/main">
+        <p15:guide id="1" orient="horz" pos="2160">
+          <p15:clr>
+            <a:srgbClr val="A4A3A4"/>
+          </p15:clr>
+        </p15:guide>
+        <p15:guide id="2" pos="2880">
+          <p15:clr>
+            <a:srgbClr val="A4A3A4"/>
+          </p15:clr>
+        </p15:guide>
+      </p15:sldGuideLst>
+    </p:ext>
+  </p:extLst>
 </p:presentation>
 </file>
 
@@ -295,7 +311,7 @@
             <a:fld id="{530820CF-B880-4189-942D-D702A7CBA730}" type="datetimeFigureOut">
               <a:rPr lang="zh-CN" altLang="en-US" smtClean="0"/>
               <a:pPr/>
-              <a:t>2015-09-06</a:t>
+              <a:t>15/9/6</a:t>
             </a:fld>
             <a:endParaRPr lang="zh-CN" altLang="en-US"/>
           </a:p>
@@ -462,7 +478,7 @@
             <a:fld id="{530820CF-B880-4189-942D-D702A7CBA730}" type="datetimeFigureOut">
               <a:rPr lang="zh-CN" altLang="en-US" smtClean="0"/>
               <a:pPr/>
-              <a:t>2015-09-06</a:t>
+              <a:t>15/9/6</a:t>
             </a:fld>
             <a:endParaRPr lang="zh-CN" altLang="en-US"/>
           </a:p>
@@ -639,7 +655,7 @@
             <a:fld id="{530820CF-B880-4189-942D-D702A7CBA730}" type="datetimeFigureOut">
               <a:rPr lang="zh-CN" altLang="en-US" smtClean="0"/>
               <a:pPr/>
-              <a:t>2015-09-06</a:t>
+              <a:t>15/9/6</a:t>
             </a:fld>
             <a:endParaRPr lang="zh-CN" altLang="en-US"/>
           </a:p>
@@ -806,7 +822,7 @@
             <a:fld id="{530820CF-B880-4189-942D-D702A7CBA730}" type="datetimeFigureOut">
               <a:rPr lang="zh-CN" altLang="en-US" smtClean="0"/>
               <a:pPr/>
-              <a:t>2015-09-06</a:t>
+              <a:t>15/9/6</a:t>
             </a:fld>
             <a:endParaRPr lang="zh-CN" altLang="en-US"/>
           </a:p>
@@ -1049,7 +1065,7 @@
             <a:fld id="{530820CF-B880-4189-942D-D702A7CBA730}" type="datetimeFigureOut">
               <a:rPr lang="zh-CN" altLang="en-US" smtClean="0"/>
               <a:pPr/>
-              <a:t>2015-09-06</a:t>
+              <a:t>15/9/6</a:t>
             </a:fld>
             <a:endParaRPr lang="zh-CN" altLang="en-US"/>
           </a:p>
@@ -1334,7 +1350,7 @@
             <a:fld id="{530820CF-B880-4189-942D-D702A7CBA730}" type="datetimeFigureOut">
               <a:rPr lang="zh-CN" altLang="en-US" smtClean="0"/>
               <a:pPr/>
-              <a:t>2015-09-06</a:t>
+              <a:t>15/9/6</a:t>
             </a:fld>
             <a:endParaRPr lang="zh-CN" altLang="en-US"/>
           </a:p>
@@ -1753,7 +1769,7 @@
             <a:fld id="{530820CF-B880-4189-942D-D702A7CBA730}" type="datetimeFigureOut">
               <a:rPr lang="zh-CN" altLang="en-US" smtClean="0"/>
               <a:pPr/>
-              <a:t>2015-09-06</a:t>
+              <a:t>15/9/6</a:t>
             </a:fld>
             <a:endParaRPr lang="zh-CN" altLang="en-US"/>
           </a:p>
@@ -1868,7 +1884,7 @@
             <a:fld id="{530820CF-B880-4189-942D-D702A7CBA730}" type="datetimeFigureOut">
               <a:rPr lang="zh-CN" altLang="en-US" smtClean="0"/>
               <a:pPr/>
-              <a:t>2015-09-06</a:t>
+              <a:t>15/9/6</a:t>
             </a:fld>
             <a:endParaRPr lang="zh-CN" altLang="en-US"/>
           </a:p>
@@ -1960,7 +1976,7 @@
             <a:fld id="{530820CF-B880-4189-942D-D702A7CBA730}" type="datetimeFigureOut">
               <a:rPr lang="zh-CN" altLang="en-US" smtClean="0"/>
               <a:pPr/>
-              <a:t>2015-09-06</a:t>
+              <a:t>15/9/6</a:t>
             </a:fld>
             <a:endParaRPr lang="zh-CN" altLang="en-US"/>
           </a:p>
@@ -2234,7 +2250,7 @@
             <a:fld id="{530820CF-B880-4189-942D-D702A7CBA730}" type="datetimeFigureOut">
               <a:rPr lang="zh-CN" altLang="en-US" smtClean="0"/>
               <a:pPr/>
-              <a:t>2015-09-06</a:t>
+              <a:t>15/9/6</a:t>
             </a:fld>
             <a:endParaRPr lang="zh-CN" altLang="en-US"/>
           </a:p>
@@ -2484,7 +2500,7 @@
             <a:fld id="{530820CF-B880-4189-942D-D702A7CBA730}" type="datetimeFigureOut">
               <a:rPr lang="zh-CN" altLang="en-US" smtClean="0"/>
               <a:pPr/>
-              <a:t>2015-09-06</a:t>
+              <a:t>15/9/6</a:t>
             </a:fld>
             <a:endParaRPr lang="zh-CN" altLang="en-US"/>
           </a:p>
@@ -2703,7 +2719,7 @@
             <a:fld id="{530820CF-B880-4189-942D-D702A7CBA730}" type="datetimeFigureOut">
               <a:rPr lang="zh-CN" altLang="en-US" smtClean="0"/>
               <a:pPr/>
-              <a:t>2015-09-06</a:t>
+              <a:t>15/9/6</a:t>
             </a:fld>
             <a:endParaRPr lang="zh-CN" altLang="en-US"/>
           </a:p>
@@ -3591,6 +3607,36 @@
           </a:p>
         </p:txBody>
       </p:sp>
+      <p:pic>
+        <p:nvPicPr>
+          <p:cNvPr id="4" name="图片 3"/>
+          <p:cNvPicPr>
+            <a:picLocks noChangeAspect="1"/>
+          </p:cNvPicPr>
+          <p:nvPr/>
+        </p:nvPicPr>
+        <p:blipFill>
+          <a:blip r:embed="rId2" cstate="print">
+            <a:extLst>
+              <a:ext uri="{28A0092B-C50C-407E-A947-70E740481C1C}">
+                <a14:useLocalDpi xmlns:a14="http://schemas.microsoft.com/office/drawing/2010/main" val="0"/>
+              </a:ext>
+            </a:extLst>
+          </a:blip>
+          <a:stretch>
+            <a:fillRect/>
+          </a:stretch>
+        </p:blipFill>
+        <p:spPr>
+          <a:xfrm>
+            <a:off x="0" y="2009378"/>
+            <a:ext cx="9144000" cy="3707606"/>
+          </a:xfrm>
+          <a:prstGeom prst="rect">
+            <a:avLst/>
+          </a:prstGeom>
+        </p:spPr>
+      </p:pic>
     </p:spTree>
     <p:extLst>
       <p:ext uri="{BB962C8B-B14F-4D97-AF65-F5344CB8AC3E}">
@@ -3863,11 +3909,11 @@
   <p:clrMapOvr>
     <a:masterClrMapping/>
   </p:clrMapOvr>
-  <mc:AlternateContent xmlns:mc="http://schemas.openxmlformats.org/markup-compatibility/2006">
-    <mc:Choice xmlns:p14="http://schemas.microsoft.com/office/powerpoint/2010/main" Requires="p14">
+  <mc:AlternateContent xmlns:mc="http://schemas.openxmlformats.org/markup-compatibility/2006" xmlns:p14="http://schemas.microsoft.com/office/powerpoint/2010/main">
+    <mc:Choice Requires="p14">
       <p:transition p14:dur="0"/>
     </mc:Choice>
-    <mc:Fallback>
+    <mc:Fallback xmlns="">
       <p:transition/>
     </mc:Fallback>
   </mc:AlternateContent>
@@ -3986,10 +4032,6 @@
               <a:rPr lang="zh-CN" altLang="en-US" dirty="0"/>
               <a:t>蓝色：加载；</a:t>
             </a:r>
-            <a:r>
-              <a:rPr lang="zh-CN" altLang="en-US" dirty="0"/>
-              <a:t/>
-            </a:r>
             <a:br>
               <a:rPr lang="zh-CN" altLang="en-US" dirty="0"/>
             </a:br>
@@ -3997,10 +4039,6 @@
               <a:rPr lang="zh-CN" altLang="en-US" dirty="0"/>
               <a:t>黄色：脚本；</a:t>
             </a:r>
-            <a:r>
-              <a:rPr lang="zh-CN" altLang="en-US" dirty="0"/>
-              <a:t/>
-            </a:r>
             <a:br>
               <a:rPr lang="zh-CN" altLang="en-US" dirty="0"/>
             </a:br>
@@ -4008,10 +4046,6 @@
               <a:rPr lang="zh-CN" altLang="en-US" dirty="0"/>
               <a:t>紫色：渲染；</a:t>
             </a:r>
-            <a:r>
-              <a:rPr lang="zh-CN" altLang="en-US" dirty="0"/>
-              <a:t/>
-            </a:r>
             <a:br>
               <a:rPr lang="zh-CN" altLang="en-US" dirty="0"/>
             </a:br>
@@ -4019,7 +4053,6 @@
               <a:rPr lang="zh-CN" altLang="en-US" dirty="0"/>
               <a:t>绿色：绘制</a:t>
             </a:r>
-            <a:endParaRPr lang="zh-CN" altLang="en-US" dirty="0"/>
           </a:p>
         </p:txBody>
       </p:sp>

--- a/public/images/使用chrome进行渲染分析.pptx
+++ b/public/images/使用chrome进行渲染分析.pptx
@@ -11,7 +11,20 @@
     <p:sldId id="262" r:id="rId5"/>
     <p:sldId id="263" r:id="rId6"/>
     <p:sldId id="264" r:id="rId7"/>
-    <p:sldId id="258" r:id="rId8"/>
+    <p:sldId id="265" r:id="rId8"/>
+    <p:sldId id="266" r:id="rId9"/>
+    <p:sldId id="267" r:id="rId10"/>
+    <p:sldId id="268" r:id="rId11"/>
+    <p:sldId id="269" r:id="rId12"/>
+    <p:sldId id="270" r:id="rId13"/>
+    <p:sldId id="271" r:id="rId14"/>
+    <p:sldId id="272" r:id="rId15"/>
+    <p:sldId id="273" r:id="rId16"/>
+    <p:sldId id="274" r:id="rId17"/>
+    <p:sldId id="275" r:id="rId18"/>
+    <p:sldId id="276" r:id="rId19"/>
+    <p:sldId id="277" r:id="rId20"/>
+    <p:sldId id="258" r:id="rId21"/>
   </p:sldIdLst>
   <p:sldSz cx="9144000" cy="6858000" type="screen4x3"/>
   <p:notesSz cx="6858000" cy="9144000"/>
@@ -112,7 +125,7 @@
   </p:defaultTextStyle>
   <p:extLst>
     <p:ext uri="{EFAFB233-063F-42B5-8137-9DF3F51BA10A}">
-      <p15:sldGuideLst xmlns:p15="http://schemas.microsoft.com/office/powerpoint/2012/main">
+      <p15:sldGuideLst xmlns:p15="http://schemas.microsoft.com/office/powerpoint/2012/main" xmlns="">
         <p15:guide id="1" orient="horz" pos="2160">
           <p15:clr>
             <a:srgbClr val="A4A3A4"/>
@@ -311,7 +324,7 @@
             <a:fld id="{530820CF-B880-4189-942D-D702A7CBA730}" type="datetimeFigureOut">
               <a:rPr lang="zh-CN" altLang="en-US" smtClean="0"/>
               <a:pPr/>
-              <a:t>15/9/6</a:t>
+              <a:t>2015-09-07</a:t>
             </a:fld>
             <a:endParaRPr lang="zh-CN" altLang="en-US"/>
           </a:p>
@@ -478,7 +491,7 @@
             <a:fld id="{530820CF-B880-4189-942D-D702A7CBA730}" type="datetimeFigureOut">
               <a:rPr lang="zh-CN" altLang="en-US" smtClean="0"/>
               <a:pPr/>
-              <a:t>15/9/6</a:t>
+              <a:t>2015-09-07</a:t>
             </a:fld>
             <a:endParaRPr lang="zh-CN" altLang="en-US"/>
           </a:p>
@@ -655,7 +668,7 @@
             <a:fld id="{530820CF-B880-4189-942D-D702A7CBA730}" type="datetimeFigureOut">
               <a:rPr lang="zh-CN" altLang="en-US" smtClean="0"/>
               <a:pPr/>
-              <a:t>15/9/6</a:t>
+              <a:t>2015-09-07</a:t>
             </a:fld>
             <a:endParaRPr lang="zh-CN" altLang="en-US"/>
           </a:p>
@@ -822,7 +835,7 @@
             <a:fld id="{530820CF-B880-4189-942D-D702A7CBA730}" type="datetimeFigureOut">
               <a:rPr lang="zh-CN" altLang="en-US" smtClean="0"/>
               <a:pPr/>
-              <a:t>15/9/6</a:t>
+              <a:t>2015-09-07</a:t>
             </a:fld>
             <a:endParaRPr lang="zh-CN" altLang="en-US"/>
           </a:p>
@@ -1065,7 +1078,7 @@
             <a:fld id="{530820CF-B880-4189-942D-D702A7CBA730}" type="datetimeFigureOut">
               <a:rPr lang="zh-CN" altLang="en-US" smtClean="0"/>
               <a:pPr/>
-              <a:t>15/9/6</a:t>
+              <a:t>2015-09-07</a:t>
             </a:fld>
             <a:endParaRPr lang="zh-CN" altLang="en-US"/>
           </a:p>
@@ -1350,7 +1363,7 @@
             <a:fld id="{530820CF-B880-4189-942D-D702A7CBA730}" type="datetimeFigureOut">
               <a:rPr lang="zh-CN" altLang="en-US" smtClean="0"/>
               <a:pPr/>
-              <a:t>15/9/6</a:t>
+              <a:t>2015-09-07</a:t>
             </a:fld>
             <a:endParaRPr lang="zh-CN" altLang="en-US"/>
           </a:p>
@@ -1769,7 +1782,7 @@
             <a:fld id="{530820CF-B880-4189-942D-D702A7CBA730}" type="datetimeFigureOut">
               <a:rPr lang="zh-CN" altLang="en-US" smtClean="0"/>
               <a:pPr/>
-              <a:t>15/9/6</a:t>
+              <a:t>2015-09-07</a:t>
             </a:fld>
             <a:endParaRPr lang="zh-CN" altLang="en-US"/>
           </a:p>
@@ -1884,7 +1897,7 @@
             <a:fld id="{530820CF-B880-4189-942D-D702A7CBA730}" type="datetimeFigureOut">
               <a:rPr lang="zh-CN" altLang="en-US" smtClean="0"/>
               <a:pPr/>
-              <a:t>15/9/6</a:t>
+              <a:t>2015-09-07</a:t>
             </a:fld>
             <a:endParaRPr lang="zh-CN" altLang="en-US"/>
           </a:p>
@@ -1976,7 +1989,7 @@
             <a:fld id="{530820CF-B880-4189-942D-D702A7CBA730}" type="datetimeFigureOut">
               <a:rPr lang="zh-CN" altLang="en-US" smtClean="0"/>
               <a:pPr/>
-              <a:t>15/9/6</a:t>
+              <a:t>2015-09-07</a:t>
             </a:fld>
             <a:endParaRPr lang="zh-CN" altLang="en-US"/>
           </a:p>
@@ -2250,7 +2263,7 @@
             <a:fld id="{530820CF-B880-4189-942D-D702A7CBA730}" type="datetimeFigureOut">
               <a:rPr lang="zh-CN" altLang="en-US" smtClean="0"/>
               <a:pPr/>
-              <a:t>15/9/6</a:t>
+              <a:t>2015-09-07</a:t>
             </a:fld>
             <a:endParaRPr lang="zh-CN" altLang="en-US"/>
           </a:p>
@@ -2500,7 +2513,7 @@
             <a:fld id="{530820CF-B880-4189-942D-D702A7CBA730}" type="datetimeFigureOut">
               <a:rPr lang="zh-CN" altLang="en-US" smtClean="0"/>
               <a:pPr/>
-              <a:t>15/9/6</a:t>
+              <a:t>2015-09-07</a:t>
             </a:fld>
             <a:endParaRPr lang="zh-CN" altLang="en-US"/>
           </a:p>
@@ -2719,7 +2732,7 @@
             <a:fld id="{530820CF-B880-4189-942D-D702A7CBA730}" type="datetimeFigureOut">
               <a:rPr lang="zh-CN" altLang="en-US" smtClean="0"/>
               <a:pPr/>
-              <a:t>15/9/6</a:t>
+              <a:t>2015-09-07</a:t>
             </a:fld>
             <a:endParaRPr lang="zh-CN" altLang="en-US"/>
           </a:p>
@@ -3230,6 +3243,1242 @@
 </p:sld>
 </file>
 
+<file path=ppt/slides/slide10.xml><?xml version="1.0" encoding="utf-8"?>
+<p:sld xmlns:a="http://schemas.openxmlformats.org/drawingml/2006/main" xmlns:r="http://schemas.openxmlformats.org/officeDocument/2006/relationships" xmlns:p="http://schemas.openxmlformats.org/presentationml/2006/main">
+  <p:cSld>
+    <p:spTree>
+      <p:nvGrpSpPr>
+        <p:cNvPr id="1" name=""/>
+        <p:cNvGrpSpPr/>
+        <p:nvPr/>
+      </p:nvGrpSpPr>
+      <p:grpSpPr>
+        <a:xfrm>
+          <a:off x="0" y="0"/>
+          <a:ext cx="0" cy="0"/>
+          <a:chOff x="0" y="0"/>
+          <a:chExt cx="0" cy="0"/>
+        </a:xfrm>
+      </p:grpSpPr>
+      <p:sp>
+        <p:nvSpPr>
+          <p:cNvPr id="2" name="标题 1"/>
+          <p:cNvSpPr>
+            <a:spLocks noGrp="1"/>
+          </p:cNvSpPr>
+          <p:nvPr>
+            <p:ph type="title"/>
+          </p:nvPr>
+        </p:nvSpPr>
+        <p:spPr/>
+        <p:txBody>
+          <a:bodyPr>
+            <a:normAutofit/>
+          </a:bodyPr>
+          <a:lstStyle/>
+          <a:p>
+            <a:r>
+              <a:rPr lang="zh-CN" altLang="en-US" b="1" dirty="0"/>
+              <a:t>帧</a:t>
+            </a:r>
+            <a:r>
+              <a:rPr lang="zh-CN" altLang="en-US" b="1" dirty="0" smtClean="0"/>
+              <a:t>模式</a:t>
+            </a:r>
+            <a:endParaRPr lang="zh-CN" altLang="en-US" dirty="0"/>
+          </a:p>
+        </p:txBody>
+      </p:sp>
+      <p:sp>
+        <p:nvSpPr>
+          <p:cNvPr id="3" name="内容占位符 2"/>
+          <p:cNvSpPr>
+            <a:spLocks noGrp="1"/>
+          </p:cNvSpPr>
+          <p:nvPr>
+            <p:ph idx="1"/>
+          </p:nvPr>
+        </p:nvSpPr>
+        <p:spPr/>
+        <p:txBody>
+          <a:bodyPr>
+            <a:normAutofit fontScale="92500" lnSpcReduction="20000"/>
+          </a:bodyPr>
+          <a:lstStyle/>
+          <a:p>
+            <a:r>
+              <a:rPr lang="zh-CN" altLang="en-US" dirty="0"/>
+              <a:t>帧模式能让我们深入的了解页面的渲染性能，“帧”表示浏览器要呈现的内容显示到单个帧所必须做的工作，如运行 </a:t>
+            </a:r>
+            <a:r>
+              <a:rPr lang="en-US" altLang="zh-CN" dirty="0"/>
+              <a:t>JavaScript</a:t>
+            </a:r>
+            <a:r>
+              <a:rPr lang="zh-CN" altLang="en-US" dirty="0"/>
+              <a:t>、 处理事件、 更新 </a:t>
+            </a:r>
+            <a:r>
+              <a:rPr lang="en-US" altLang="zh-CN" dirty="0"/>
+              <a:t>DOM </a:t>
+            </a:r>
+            <a:r>
+              <a:rPr lang="zh-CN" altLang="en-US" dirty="0"/>
+              <a:t>和更改的样式、 布局和绘制</a:t>
+            </a:r>
+            <a:r>
+              <a:rPr lang="zh-CN" altLang="en-US" dirty="0" smtClean="0"/>
+              <a:t>。</a:t>
+            </a:r>
+            <a:endParaRPr lang="en-US" altLang="zh-CN" dirty="0" smtClean="0"/>
+          </a:p>
+          <a:p>
+            <a:r>
+              <a:rPr lang="zh-CN" altLang="en-US" dirty="0"/>
+              <a:t>目前大多数的显示器的刷新频率是</a:t>
+            </a:r>
+            <a:r>
+              <a:rPr lang="en-US" altLang="zh-CN" dirty="0"/>
+              <a:t>60Hz</a:t>
+            </a:r>
+            <a:r>
+              <a:rPr lang="zh-CN" altLang="en-US" dirty="0"/>
+              <a:t>，那么我们页面的绘制频率能达到</a:t>
+            </a:r>
+            <a:r>
+              <a:rPr lang="en-US" altLang="zh-CN" dirty="0"/>
+              <a:t>60</a:t>
+            </a:r>
+            <a:r>
+              <a:rPr lang="zh-CN" altLang="en-US" dirty="0"/>
+              <a:t>帧每秒是最好的，因为软件帧和硬件的刷新频率一致的话，页面能给人非常流畅的感觉，否则就会感觉到很卡，这样我们大概有</a:t>
+            </a:r>
+            <a:r>
+              <a:rPr lang="en-US" altLang="zh-CN" dirty="0"/>
+              <a:t>16.6ms</a:t>
+            </a:r>
+            <a:r>
+              <a:rPr lang="zh-CN" altLang="en-US" dirty="0"/>
+              <a:t>（</a:t>
+            </a:r>
+            <a:r>
+              <a:rPr lang="en-US" altLang="zh-CN" dirty="0"/>
+              <a:t>1000/60</a:t>
+            </a:r>
+            <a:r>
+              <a:rPr lang="zh-CN" altLang="en-US" dirty="0"/>
+              <a:t>）来完成每一帧的呈现，这就是很多人说的</a:t>
+            </a:r>
+            <a:r>
+              <a:rPr lang="zh-CN" altLang="en-US" b="1" dirty="0"/>
+              <a:t>“</a:t>
+            </a:r>
+            <a:r>
+              <a:rPr lang="en-US" altLang="zh-CN" b="1" dirty="0"/>
+              <a:t>16.6ms”</a:t>
+            </a:r>
+            <a:r>
+              <a:rPr lang="zh-CN" altLang="en-US" b="1" dirty="0"/>
+              <a:t>优化</a:t>
+            </a:r>
+            <a:r>
+              <a:rPr lang="zh-CN" altLang="en-US" dirty="0"/>
+              <a:t>。</a:t>
+            </a:r>
+            <a:endParaRPr lang="zh-CN" altLang="en-US" dirty="0"/>
+          </a:p>
+        </p:txBody>
+      </p:sp>
+    </p:spTree>
+    <p:extLst>
+      <p:ext uri="{BB962C8B-B14F-4D97-AF65-F5344CB8AC3E}">
+        <p14:creationId xmlns:p14="http://schemas.microsoft.com/office/powerpoint/2010/main" val="2946772633"/>
+      </p:ext>
+    </p:extLst>
+  </p:cSld>
+  <p:clrMapOvr>
+    <a:masterClrMapping/>
+  </p:clrMapOvr>
+</p:sld>
+</file>
+
+<file path=ppt/slides/slide11.xml><?xml version="1.0" encoding="utf-8"?>
+<p:sld xmlns:a="http://schemas.openxmlformats.org/drawingml/2006/main" xmlns:r="http://schemas.openxmlformats.org/officeDocument/2006/relationships" xmlns:p="http://schemas.openxmlformats.org/presentationml/2006/main">
+  <p:cSld>
+    <p:spTree>
+      <p:nvGrpSpPr>
+        <p:cNvPr id="1" name=""/>
+        <p:cNvGrpSpPr/>
+        <p:nvPr/>
+      </p:nvGrpSpPr>
+      <p:grpSpPr>
+        <a:xfrm>
+          <a:off x="0" y="0"/>
+          <a:ext cx="0" cy="0"/>
+          <a:chOff x="0" y="0"/>
+          <a:chExt cx="0" cy="0"/>
+        </a:xfrm>
+      </p:grpSpPr>
+      <p:sp>
+        <p:nvSpPr>
+          <p:cNvPr id="2" name="标题 1"/>
+          <p:cNvSpPr>
+            <a:spLocks noGrp="1"/>
+          </p:cNvSpPr>
+          <p:nvPr>
+            <p:ph type="title"/>
+          </p:nvPr>
+        </p:nvSpPr>
+        <p:spPr/>
+        <p:txBody>
+          <a:bodyPr/>
+          <a:lstStyle/>
+          <a:p>
+            <a:endParaRPr lang="zh-CN" altLang="en-US"/>
+          </a:p>
+        </p:txBody>
+      </p:sp>
+      <p:pic>
+        <p:nvPicPr>
+          <p:cNvPr id="5122" name="Picture 2" descr="d:\我的配置\桌面\timeline-10.png"/>
+          <p:cNvPicPr>
+            <a:picLocks noGrp="1" noChangeAspect="1" noChangeArrowheads="1"/>
+          </p:cNvPicPr>
+          <p:nvPr>
+            <p:ph idx="1"/>
+          </p:nvPr>
+        </p:nvPicPr>
+        <p:blipFill>
+          <a:blip r:embed="rId2">
+            <a:extLst>
+              <a:ext uri="{28A0092B-C50C-407E-A947-70E740481C1C}">
+                <a14:useLocalDpi xmlns:a14="http://schemas.microsoft.com/office/drawing/2010/main" val="0"/>
+              </a:ext>
+            </a:extLst>
+          </a:blip>
+          <a:srcRect/>
+          <a:stretch>
+            <a:fillRect/>
+          </a:stretch>
+        </p:blipFill>
+        <p:spPr bwMode="auto">
+          <a:xfrm>
+            <a:off x="473264" y="3212976"/>
+            <a:ext cx="8229600" cy="3015574"/>
+          </a:xfrm>
+          <a:prstGeom prst="rect">
+            <a:avLst/>
+          </a:prstGeom>
+          <a:noFill/>
+          <a:extLst>
+            <a:ext uri="{909E8E84-426E-40DD-AFC4-6F175D3DCCD1}">
+              <a14:hiddenFill xmlns:a14="http://schemas.microsoft.com/office/drawing/2010/main">
+                <a:solidFill>
+                  <a:srgbClr val="FFFFFF"/>
+                </a:solidFill>
+              </a14:hiddenFill>
+            </a:ext>
+          </a:extLst>
+        </p:spPr>
+      </p:pic>
+      <p:sp>
+        <p:nvSpPr>
+          <p:cNvPr id="4" name="TextBox 3"/>
+          <p:cNvSpPr txBox="1"/>
+          <p:nvPr/>
+        </p:nvSpPr>
+        <p:spPr>
+          <a:xfrm>
+            <a:off x="467544" y="2060848"/>
+            <a:ext cx="8301824" cy="923330"/>
+          </a:xfrm>
+          <a:prstGeom prst="rect">
+            <a:avLst/>
+          </a:prstGeom>
+          <a:noFill/>
+        </p:spPr>
+        <p:txBody>
+          <a:bodyPr wrap="none" rtlCol="0">
+            <a:spAutoFit/>
+          </a:bodyPr>
+          <a:lstStyle/>
+          <a:p>
+            <a:r>
+              <a:rPr lang="zh-CN" altLang="en-US" dirty="0" smtClean="0"/>
+              <a:t>点击柱子</a:t>
+            </a:r>
+            <a:r>
+              <a:rPr lang="en-US" altLang="zh-CN" dirty="0" smtClean="0"/>
+              <a:t>,summary</a:t>
+            </a:r>
+            <a:r>
+              <a:rPr lang="zh-CN" altLang="en-US" dirty="0" smtClean="0"/>
+              <a:t>中会显示每</a:t>
+            </a:r>
+            <a:r>
+              <a:rPr lang="zh-CN" altLang="en-US" dirty="0"/>
+              <a:t>种类型的任务的时间、</a:t>
+            </a:r>
+            <a:r>
+              <a:rPr lang="en-US" altLang="zh-CN" dirty="0"/>
+              <a:t>CPU</a:t>
+            </a:r>
+            <a:r>
+              <a:rPr lang="zh-CN" altLang="en-US" dirty="0"/>
+              <a:t>时间、计算</a:t>
+            </a:r>
+            <a:r>
+              <a:rPr lang="en-US" altLang="zh-CN" dirty="0"/>
+              <a:t>FPS</a:t>
+            </a:r>
+            <a:r>
+              <a:rPr lang="zh-CN" altLang="en-US" dirty="0"/>
+              <a:t>的时间</a:t>
+            </a:r>
+            <a:r>
+              <a:rPr lang="zh-CN" altLang="en-US" dirty="0" smtClean="0"/>
+              <a:t>。</a:t>
+            </a:r>
+            <a:endParaRPr lang="en-US" altLang="zh-CN" dirty="0" smtClean="0"/>
+          </a:p>
+          <a:p>
+            <a:r>
+              <a:rPr lang="zh-CN" altLang="en-US" dirty="0"/>
+              <a:t>作为平滑的体验，你看到的帧率最好一直保持在</a:t>
+            </a:r>
+            <a:r>
+              <a:rPr lang="en-US" altLang="zh-CN" dirty="0"/>
+              <a:t>30-60fps</a:t>
+            </a:r>
+            <a:r>
+              <a:rPr lang="zh-CN" altLang="en-US" dirty="0" smtClean="0"/>
+              <a:t>，</a:t>
+            </a:r>
+            <a:endParaRPr lang="en-US" altLang="zh-CN" dirty="0" smtClean="0"/>
+          </a:p>
+          <a:p>
+            <a:r>
+              <a:rPr lang="zh-CN" altLang="en-US" dirty="0" smtClean="0"/>
+              <a:t>如果</a:t>
+            </a:r>
+            <a:r>
+              <a:rPr lang="zh-CN" altLang="en-US" dirty="0"/>
+              <a:t>太低了，你的应用就会因为丢帧看上去 混乱 或者抖动。 </a:t>
+            </a:r>
+            <a:endParaRPr lang="zh-CN" altLang="en-US" dirty="0"/>
+          </a:p>
+        </p:txBody>
+      </p:sp>
+    </p:spTree>
+    <p:extLst>
+      <p:ext uri="{BB962C8B-B14F-4D97-AF65-F5344CB8AC3E}">
+        <p14:creationId xmlns:p14="http://schemas.microsoft.com/office/powerpoint/2010/main" val="1627271749"/>
+      </p:ext>
+    </p:extLst>
+  </p:cSld>
+  <p:clrMapOvr>
+    <a:masterClrMapping/>
+  </p:clrMapOvr>
+</p:sld>
+</file>
+
+<file path=ppt/slides/slide12.xml><?xml version="1.0" encoding="utf-8"?>
+<p:sld xmlns:a="http://schemas.openxmlformats.org/drawingml/2006/main" xmlns:r="http://schemas.openxmlformats.org/officeDocument/2006/relationships" xmlns:p="http://schemas.openxmlformats.org/presentationml/2006/main">
+  <p:cSld>
+    <p:spTree>
+      <p:nvGrpSpPr>
+        <p:cNvPr id="1" name=""/>
+        <p:cNvGrpSpPr/>
+        <p:nvPr/>
+      </p:nvGrpSpPr>
+      <p:grpSpPr>
+        <a:xfrm>
+          <a:off x="0" y="0"/>
+          <a:ext cx="0" cy="0"/>
+          <a:chOff x="0" y="0"/>
+          <a:chExt cx="0" cy="0"/>
+        </a:xfrm>
+      </p:grpSpPr>
+      <p:sp>
+        <p:nvSpPr>
+          <p:cNvPr id="2" name="标题 1"/>
+          <p:cNvSpPr>
+            <a:spLocks noGrp="1"/>
+          </p:cNvSpPr>
+          <p:nvPr>
+            <p:ph type="title"/>
+          </p:nvPr>
+        </p:nvSpPr>
+        <p:spPr/>
+        <p:txBody>
+          <a:bodyPr/>
+          <a:lstStyle/>
+          <a:p>
+            <a:r>
+              <a:rPr lang="zh-CN" altLang="en-US" b="1" dirty="0"/>
+              <a:t>关于透明或浅灰色的帧</a:t>
+            </a:r>
+            <a:endParaRPr lang="zh-CN" altLang="en-US" dirty="0"/>
+          </a:p>
+        </p:txBody>
+      </p:sp>
+      <p:sp>
+        <p:nvSpPr>
+          <p:cNvPr id="3" name="内容占位符 2"/>
+          <p:cNvSpPr>
+            <a:spLocks noGrp="1"/>
+          </p:cNvSpPr>
+          <p:nvPr>
+            <p:ph idx="1"/>
+          </p:nvPr>
+        </p:nvSpPr>
+        <p:spPr/>
+        <p:txBody>
+          <a:bodyPr/>
+          <a:lstStyle/>
+          <a:p>
+            <a:r>
+              <a:rPr lang="zh-CN" altLang="en-US" dirty="0"/>
+              <a:t>也许你已经注意到有些区域的帧是浅灰色的或者透明的（空的）。这些区域分别表明：</a:t>
+            </a:r>
+          </a:p>
+          <a:p>
+            <a:r>
+              <a:rPr lang="en-US" altLang="zh-CN" dirty="0" err="1"/>
+              <a:t>DevTools</a:t>
+            </a:r>
+            <a:r>
+              <a:rPr lang="zh-CN" altLang="en-US" dirty="0"/>
+              <a:t>不感知的活动</a:t>
+            </a:r>
+          </a:p>
+          <a:p>
+            <a:r>
+              <a:rPr lang="zh-CN" altLang="en-US" dirty="0"/>
+              <a:t>刷新周期间的空闲时间</a:t>
+            </a:r>
+          </a:p>
+          <a:p>
+            <a:endParaRPr lang="zh-CN" altLang="en-US" dirty="0"/>
+          </a:p>
+        </p:txBody>
+      </p:sp>
+    </p:spTree>
+    <p:extLst>
+      <p:ext uri="{BB962C8B-B14F-4D97-AF65-F5344CB8AC3E}">
+        <p14:creationId xmlns:p14="http://schemas.microsoft.com/office/powerpoint/2010/main" val="942750179"/>
+      </p:ext>
+    </p:extLst>
+  </p:cSld>
+  <p:clrMapOvr>
+    <a:masterClrMapping/>
+  </p:clrMapOvr>
+</p:sld>
+</file>
+
+<file path=ppt/slides/slide13.xml><?xml version="1.0" encoding="utf-8"?>
+<p:sld xmlns:a="http://schemas.openxmlformats.org/drawingml/2006/main" xmlns:r="http://schemas.openxmlformats.org/officeDocument/2006/relationships" xmlns:p="http://schemas.openxmlformats.org/presentationml/2006/main">
+  <p:cSld>
+    <p:spTree>
+      <p:nvGrpSpPr>
+        <p:cNvPr id="1" name=""/>
+        <p:cNvGrpSpPr/>
+        <p:nvPr/>
+      </p:nvGrpSpPr>
+      <p:grpSpPr>
+        <a:xfrm>
+          <a:off x="0" y="0"/>
+          <a:ext cx="0" cy="0"/>
+          <a:chOff x="0" y="0"/>
+          <a:chExt cx="0" cy="0"/>
+        </a:xfrm>
+      </p:grpSpPr>
+      <p:sp>
+        <p:nvSpPr>
+          <p:cNvPr id="2" name="标题 1"/>
+          <p:cNvSpPr>
+            <a:spLocks noGrp="1"/>
+          </p:cNvSpPr>
+          <p:nvPr>
+            <p:ph type="title"/>
+          </p:nvPr>
+        </p:nvSpPr>
+        <p:spPr/>
+        <p:txBody>
+          <a:bodyPr/>
+          <a:lstStyle/>
+          <a:p>
+            <a:r>
+              <a:rPr lang="zh-CN" altLang="en-US" dirty="0" smtClean="0"/>
+              <a:t>分析</a:t>
+            </a:r>
+            <a:r>
+              <a:rPr lang="en-US" altLang="zh-CN" dirty="0" smtClean="0"/>
+              <a:t>timeline</a:t>
+            </a:r>
+            <a:r>
+              <a:rPr lang="zh-CN" altLang="en-US" dirty="0" smtClean="0"/>
+              <a:t>里的记录</a:t>
+            </a:r>
+            <a:endParaRPr lang="zh-CN" altLang="en-US" dirty="0"/>
+          </a:p>
+        </p:txBody>
+      </p:sp>
+      <p:sp>
+        <p:nvSpPr>
+          <p:cNvPr id="3" name="内容占位符 2"/>
+          <p:cNvSpPr>
+            <a:spLocks noGrp="1"/>
+          </p:cNvSpPr>
+          <p:nvPr>
+            <p:ph idx="1"/>
+          </p:nvPr>
+        </p:nvSpPr>
+        <p:spPr/>
+        <p:txBody>
+          <a:bodyPr/>
+          <a:lstStyle/>
+          <a:p>
+            <a:r>
+              <a:rPr lang="zh-CN" altLang="en-US" dirty="0"/>
+              <a:t>当你选中</a:t>
+            </a:r>
+            <a:r>
+              <a:rPr lang="en-US" altLang="zh-CN" dirty="0"/>
+              <a:t>Timeline</a:t>
+            </a:r>
+            <a:r>
+              <a:rPr lang="zh-CN" altLang="en-US" dirty="0"/>
+              <a:t>面板里的一条记录，详情面板里会展示该事件相关的详细信息。</a:t>
+            </a:r>
+            <a:endParaRPr lang="en-US" altLang="zh-CN" dirty="0" smtClean="0"/>
+          </a:p>
+          <a:p>
+            <a:r>
+              <a:rPr lang="zh-CN" altLang="en-US" dirty="0"/>
+              <a:t> </a:t>
+            </a:r>
+            <a:r>
+              <a:rPr lang="en-US" altLang="zh-CN" dirty="0"/>
+              <a:t>Timeline</a:t>
+            </a:r>
+            <a:r>
+              <a:rPr lang="zh-CN" altLang="en-US" dirty="0"/>
+              <a:t>面板以蓝线和红线标注浏览器发出</a:t>
+            </a:r>
+            <a:r>
+              <a:rPr lang="en-US" altLang="zh-CN" dirty="0" err="1"/>
+              <a:t>DOMContentLoaded</a:t>
+            </a:r>
+            <a:r>
+              <a:rPr lang="zh-CN" altLang="en-US" dirty="0"/>
+              <a:t>事件和</a:t>
+            </a:r>
+            <a:r>
+              <a:rPr lang="en-US" altLang="zh-CN" dirty="0"/>
+              <a:t>load</a:t>
+            </a:r>
+            <a:r>
+              <a:rPr lang="zh-CN" altLang="en-US" dirty="0"/>
+              <a:t>事件。</a:t>
+            </a:r>
+            <a:r>
+              <a:rPr lang="en-US" altLang="zh-CN" dirty="0" err="1"/>
+              <a:t>DOMContentLoaded</a:t>
+            </a:r>
+            <a:r>
+              <a:rPr lang="zh-CN" altLang="en-US" dirty="0"/>
+              <a:t>事件在页面的元素加载和解析完被触发，</a:t>
+            </a:r>
+            <a:r>
+              <a:rPr lang="en-US" altLang="zh-CN" dirty="0"/>
+              <a:t>load</a:t>
+            </a:r>
+            <a:r>
+              <a:rPr lang="zh-CN" altLang="en-US" dirty="0"/>
+              <a:t>事件在文档的所有资源（图片、</a:t>
+            </a:r>
+            <a:r>
+              <a:rPr lang="en-US" altLang="zh-CN" dirty="0"/>
+              <a:t>CSS</a:t>
+            </a:r>
+            <a:r>
+              <a:rPr lang="zh-CN" altLang="en-US" dirty="0"/>
+              <a:t>文件等）全部加载好时触发一次。</a:t>
+            </a:r>
+            <a:endParaRPr lang="zh-CN" altLang="en-US" dirty="0"/>
+          </a:p>
+        </p:txBody>
+      </p:sp>
+    </p:spTree>
+    <p:extLst>
+      <p:ext uri="{BB962C8B-B14F-4D97-AF65-F5344CB8AC3E}">
+        <p14:creationId xmlns:p14="http://schemas.microsoft.com/office/powerpoint/2010/main" val="1836511989"/>
+      </p:ext>
+    </p:extLst>
+  </p:cSld>
+  <p:clrMapOvr>
+    <a:masterClrMapping/>
+  </p:clrMapOvr>
+</p:sld>
+</file>
+
+<file path=ppt/slides/slide14.xml><?xml version="1.0" encoding="utf-8"?>
+<p:sld xmlns:a="http://schemas.openxmlformats.org/drawingml/2006/main" xmlns:r="http://schemas.openxmlformats.org/officeDocument/2006/relationships" xmlns:p="http://schemas.openxmlformats.org/presentationml/2006/main">
+  <p:cSld>
+    <p:spTree>
+      <p:nvGrpSpPr>
+        <p:cNvPr id="1" name=""/>
+        <p:cNvGrpSpPr/>
+        <p:nvPr/>
+      </p:nvGrpSpPr>
+      <p:grpSpPr>
+        <a:xfrm>
+          <a:off x="0" y="0"/>
+          <a:ext cx="0" cy="0"/>
+          <a:chOff x="0" y="0"/>
+          <a:chExt cx="0" cy="0"/>
+        </a:xfrm>
+      </p:grpSpPr>
+      <p:sp>
+        <p:nvSpPr>
+          <p:cNvPr id="2" name="标题 1"/>
+          <p:cNvSpPr>
+            <a:spLocks noGrp="1"/>
+          </p:cNvSpPr>
+          <p:nvPr>
+            <p:ph type="title"/>
+          </p:nvPr>
+        </p:nvSpPr>
+        <p:spPr/>
+        <p:txBody>
+          <a:bodyPr>
+            <a:normAutofit/>
+          </a:bodyPr>
+          <a:lstStyle/>
+          <a:p>
+            <a:r>
+              <a:rPr lang="zh-CN" altLang="en-US" b="1" dirty="0"/>
+              <a:t>定位强制同步</a:t>
+            </a:r>
+            <a:r>
+              <a:rPr lang="zh-CN" altLang="en-US" b="1" dirty="0" smtClean="0"/>
+              <a:t>布局</a:t>
+            </a:r>
+            <a:endParaRPr lang="zh-CN" altLang="en-US" dirty="0"/>
+          </a:p>
+        </p:txBody>
+      </p:sp>
+      <p:sp>
+        <p:nvSpPr>
+          <p:cNvPr id="3" name="内容占位符 2"/>
+          <p:cNvSpPr>
+            <a:spLocks noGrp="1"/>
+          </p:cNvSpPr>
+          <p:nvPr>
+            <p:ph idx="1"/>
+          </p:nvPr>
+        </p:nvSpPr>
+        <p:spPr/>
+        <p:txBody>
+          <a:bodyPr>
+            <a:normAutofit fontScale="85000" lnSpcReduction="20000"/>
+          </a:bodyPr>
+          <a:lstStyle/>
+          <a:p>
+            <a:r>
+              <a:rPr lang="zh-CN" altLang="en-US" dirty="0"/>
+              <a:t>布局是</a:t>
+            </a:r>
+            <a:r>
+              <a:rPr lang="en-US" altLang="zh-CN" dirty="0"/>
+              <a:t>Chrome</a:t>
+            </a:r>
+            <a:r>
+              <a:rPr lang="zh-CN" altLang="en-US" dirty="0"/>
+              <a:t>计算页面上所有元素的位置、大小的处理过程。通常</a:t>
+            </a:r>
+            <a:r>
+              <a:rPr lang="en-US" altLang="zh-CN" dirty="0"/>
+              <a:t>Chrome</a:t>
+            </a:r>
+            <a:r>
+              <a:rPr lang="zh-CN" altLang="en-US" dirty="0"/>
+              <a:t>在响应中“懒”处理应用中的</a:t>
+            </a:r>
+            <a:r>
+              <a:rPr lang="en-US" altLang="zh-CN" dirty="0"/>
+              <a:t>CSS</a:t>
+            </a:r>
+            <a:r>
+              <a:rPr lang="zh-CN" altLang="en-US" dirty="0"/>
+              <a:t>规则应用或者</a:t>
+            </a:r>
+            <a:r>
+              <a:rPr lang="en-US" altLang="zh-CN" dirty="0"/>
+              <a:t>DOM</a:t>
+            </a:r>
+            <a:r>
+              <a:rPr lang="zh-CN" altLang="en-US" dirty="0"/>
+              <a:t>更新。</a:t>
+            </a:r>
+            <a:r>
+              <a:rPr lang="en-US" altLang="zh-CN" dirty="0"/>
+              <a:t>Chrome</a:t>
+            </a:r>
+            <a:r>
+              <a:rPr lang="zh-CN" altLang="en-US" dirty="0"/>
+              <a:t>在攒一批样式和布局修改而不是每当有变化时就去处理。当然应用程序可以通过查询特定布局相关的元素属性，如</a:t>
+            </a:r>
+            <a:r>
+              <a:rPr lang="en-US" altLang="zh-CN" dirty="0" err="1"/>
+              <a:t>element.offsetWidth</a:t>
+            </a:r>
+            <a:r>
+              <a:rPr lang="zh-CN" altLang="en-US" dirty="0"/>
+              <a:t>的值强制</a:t>
+            </a:r>
+            <a:r>
+              <a:rPr lang="en-US" altLang="zh-CN" dirty="0"/>
+              <a:t>Chrome</a:t>
+            </a:r>
+            <a:r>
+              <a:rPr lang="zh-CN" altLang="en-US" dirty="0"/>
+              <a:t>去立即执行布局。所以这被称为“强制同步布局”，并在频繁执行或者在一棵大的</a:t>
+            </a:r>
+            <a:r>
+              <a:rPr lang="en-US" altLang="zh-CN" dirty="0"/>
+              <a:t>DOM</a:t>
+            </a:r>
+            <a:r>
+              <a:rPr lang="zh-CN" altLang="en-US" dirty="0"/>
+              <a:t>树上执行时有可能带来大的性能瓶颈。</a:t>
+            </a:r>
+          </a:p>
+          <a:p>
+            <a:r>
+              <a:rPr lang="en-US" altLang="zh-CN" dirty="0"/>
+              <a:t>Timeline</a:t>
+            </a:r>
+            <a:r>
+              <a:rPr lang="zh-CN" altLang="en-US" dirty="0"/>
+              <a:t>面板会以一个黄色</a:t>
+            </a:r>
+            <a:r>
+              <a:rPr lang="zh-CN" altLang="en-US" dirty="0" smtClean="0"/>
+              <a:t>叹号标识</a:t>
+            </a:r>
+            <a:r>
+              <a:rPr lang="zh-CN" altLang="en-US" dirty="0"/>
+              <a:t>出应用中的强制同步布局，选中这条记录，详情面板包含响应的调用堆栈</a:t>
+            </a:r>
+            <a:r>
+              <a:rPr lang="zh-CN" altLang="en-US" dirty="0" smtClean="0"/>
+              <a:t>。</a:t>
+            </a:r>
+            <a:endParaRPr lang="zh-CN" altLang="en-US" dirty="0"/>
+          </a:p>
+        </p:txBody>
+      </p:sp>
+    </p:spTree>
+    <p:extLst>
+      <p:ext uri="{BB962C8B-B14F-4D97-AF65-F5344CB8AC3E}">
+        <p14:creationId xmlns:p14="http://schemas.microsoft.com/office/powerpoint/2010/main" val="2188815544"/>
+      </p:ext>
+    </p:extLst>
+  </p:cSld>
+  <p:clrMapOvr>
+    <a:masterClrMapping/>
+  </p:clrMapOvr>
+</p:sld>
+</file>
+
+<file path=ppt/slides/slide15.xml><?xml version="1.0" encoding="utf-8"?>
+<p:sld xmlns:a="http://schemas.openxmlformats.org/drawingml/2006/main" xmlns:r="http://schemas.openxmlformats.org/officeDocument/2006/relationships" xmlns:p="http://schemas.openxmlformats.org/presentationml/2006/main">
+  <p:cSld>
+    <p:spTree>
+      <p:nvGrpSpPr>
+        <p:cNvPr id="1" name=""/>
+        <p:cNvGrpSpPr/>
+        <p:nvPr/>
+      </p:nvGrpSpPr>
+      <p:grpSpPr>
+        <a:xfrm>
+          <a:off x="0" y="0"/>
+          <a:ext cx="0" cy="0"/>
+          <a:chOff x="0" y="0"/>
+          <a:chExt cx="0" cy="0"/>
+        </a:xfrm>
+      </p:grpSpPr>
+      <p:sp>
+        <p:nvSpPr>
+          <p:cNvPr id="2" name="标题 1"/>
+          <p:cNvSpPr>
+            <a:spLocks noGrp="1"/>
+          </p:cNvSpPr>
+          <p:nvPr>
+            <p:ph type="title"/>
+          </p:nvPr>
+        </p:nvSpPr>
+        <p:spPr/>
+        <p:txBody>
+          <a:bodyPr/>
+          <a:lstStyle/>
+          <a:p>
+            <a:endParaRPr lang="zh-CN" altLang="en-US"/>
+          </a:p>
+        </p:txBody>
+      </p:sp>
+      <p:pic>
+        <p:nvPicPr>
+          <p:cNvPr id="4" name="内容占位符 3"/>
+          <p:cNvPicPr>
+            <a:picLocks noGrp="1" noChangeAspect="1"/>
+          </p:cNvPicPr>
+          <p:nvPr>
+            <p:ph idx="1"/>
+          </p:nvPr>
+        </p:nvPicPr>
+        <p:blipFill>
+          <a:blip r:embed="rId2">
+            <a:extLst>
+              <a:ext uri="{28A0092B-C50C-407E-A947-70E740481C1C}">
+                <a14:useLocalDpi xmlns:a14="http://schemas.microsoft.com/office/drawing/2010/main" val="0"/>
+              </a:ext>
+            </a:extLst>
+          </a:blip>
+          <a:stretch>
+            <a:fillRect/>
+          </a:stretch>
+        </p:blipFill>
+        <p:spPr>
+          <a:xfrm>
+            <a:off x="1577768" y="1600200"/>
+            <a:ext cx="5988463" cy="4525963"/>
+          </a:xfrm>
+        </p:spPr>
+      </p:pic>
+    </p:spTree>
+    <p:extLst>
+      <p:ext uri="{BB962C8B-B14F-4D97-AF65-F5344CB8AC3E}">
+        <p14:creationId xmlns:p14="http://schemas.microsoft.com/office/powerpoint/2010/main" val="2657403726"/>
+      </p:ext>
+    </p:extLst>
+  </p:cSld>
+  <p:clrMapOvr>
+    <a:masterClrMapping/>
+  </p:clrMapOvr>
+</p:sld>
+</file>
+
+<file path=ppt/slides/slide16.xml><?xml version="1.0" encoding="utf-8"?>
+<p:sld xmlns:a="http://schemas.openxmlformats.org/drawingml/2006/main" xmlns:r="http://schemas.openxmlformats.org/officeDocument/2006/relationships" xmlns:p="http://schemas.openxmlformats.org/presentationml/2006/main">
+  <p:cSld>
+    <p:spTree>
+      <p:nvGrpSpPr>
+        <p:cNvPr id="1" name=""/>
+        <p:cNvGrpSpPr/>
+        <p:nvPr/>
+      </p:nvGrpSpPr>
+      <p:grpSpPr>
+        <a:xfrm>
+          <a:off x="0" y="0"/>
+          <a:ext cx="0" cy="0"/>
+          <a:chOff x="0" y="0"/>
+          <a:chExt cx="0" cy="0"/>
+        </a:xfrm>
+      </p:grpSpPr>
+      <p:sp>
+        <p:nvSpPr>
+          <p:cNvPr id="2" name="标题 1"/>
+          <p:cNvSpPr>
+            <a:spLocks noGrp="1"/>
+          </p:cNvSpPr>
+          <p:nvPr>
+            <p:ph type="title"/>
+          </p:nvPr>
+        </p:nvSpPr>
+        <p:spPr/>
+        <p:txBody>
+          <a:bodyPr>
+            <a:normAutofit/>
+          </a:bodyPr>
+          <a:lstStyle/>
+          <a:p>
+            <a:r>
+              <a:rPr lang="zh-CN" altLang="en-US" b="1" dirty="0"/>
+              <a:t>关于嵌套</a:t>
+            </a:r>
+            <a:r>
+              <a:rPr lang="zh-CN" altLang="en-US" b="1" dirty="0" smtClean="0"/>
+              <a:t>事件</a:t>
+            </a:r>
+            <a:endParaRPr lang="zh-CN" altLang="en-US" dirty="0"/>
+          </a:p>
+        </p:txBody>
+      </p:sp>
+      <p:sp>
+        <p:nvSpPr>
+          <p:cNvPr id="3" name="内容占位符 2"/>
+          <p:cNvSpPr>
+            <a:spLocks noGrp="1"/>
+          </p:cNvSpPr>
+          <p:nvPr>
+            <p:ph idx="1"/>
+          </p:nvPr>
+        </p:nvSpPr>
+        <p:spPr/>
+        <p:txBody>
+          <a:bodyPr>
+            <a:normAutofit fontScale="85000" lnSpcReduction="20000"/>
+          </a:bodyPr>
+          <a:lstStyle/>
+          <a:p>
+            <a:r>
+              <a:rPr lang="en-US" altLang="zh-CN" dirty="0"/>
+              <a:t>Timeline</a:t>
+            </a:r>
+            <a:r>
+              <a:rPr lang="zh-CN" altLang="en-US" dirty="0"/>
+              <a:t>里的事件有时是嵌套在父事件的下方的。你可以展开父事件查看嵌套的子事件。有两个原因导致</a:t>
+            </a:r>
+            <a:r>
+              <a:rPr lang="en-US" altLang="zh-CN" dirty="0"/>
+              <a:t>Timeline</a:t>
+            </a:r>
+            <a:r>
+              <a:rPr lang="zh-CN" altLang="en-US" dirty="0"/>
+              <a:t>里有嵌套事件：</a:t>
+            </a:r>
+          </a:p>
+          <a:p>
+            <a:r>
+              <a:rPr lang="zh-CN" altLang="en-US" dirty="0"/>
+              <a:t>在处理一个事件时先发生了同步事件。每个事件内部产生两个原子事件，一个用来启动一个用来结束时，被转换为一个单一的“连续”事件。任何其他发生在这两个原子事件之间的事件成为外部子事件。</a:t>
+            </a:r>
+          </a:p>
+          <a:p>
+            <a:r>
+              <a:rPr lang="zh-CN" altLang="en-US" dirty="0"/>
+              <a:t>下面的截图是一个嵌套同步事件的示例。在这个例子中，</a:t>
+            </a:r>
+            <a:r>
+              <a:rPr lang="en-US" altLang="zh-CN" dirty="0"/>
+              <a:t>Chrome</a:t>
+            </a:r>
+            <a:r>
+              <a:rPr lang="zh-CN" altLang="en-US" dirty="0"/>
+              <a:t>正在解析一些</a:t>
+            </a:r>
+            <a:r>
+              <a:rPr lang="en-US" altLang="zh-CN" dirty="0"/>
+              <a:t>HTML</a:t>
+            </a:r>
+            <a:r>
+              <a:rPr lang="zh-CN" altLang="en-US" dirty="0"/>
+              <a:t>时发现需要一些外部资源被加载。这些请求在解析完成前发出来，所以发送请求时间作为解析</a:t>
+            </a:r>
+            <a:r>
+              <a:rPr lang="en-US" altLang="zh-CN" dirty="0"/>
+              <a:t>HTML</a:t>
+            </a:r>
+            <a:r>
+              <a:rPr lang="zh-CN" altLang="en-US" dirty="0"/>
+              <a:t>的子事件被显示出来。</a:t>
+            </a:r>
+          </a:p>
+          <a:p>
+            <a:endParaRPr lang="zh-CN" altLang="en-US" dirty="0"/>
+          </a:p>
+        </p:txBody>
+      </p:sp>
+    </p:spTree>
+    <p:extLst>
+      <p:ext uri="{BB962C8B-B14F-4D97-AF65-F5344CB8AC3E}">
+        <p14:creationId xmlns:p14="http://schemas.microsoft.com/office/powerpoint/2010/main" val="1985882165"/>
+      </p:ext>
+    </p:extLst>
+  </p:cSld>
+  <p:clrMapOvr>
+    <a:masterClrMapping/>
+  </p:clrMapOvr>
+</p:sld>
+</file>
+
+<file path=ppt/slides/slide17.xml><?xml version="1.0" encoding="utf-8"?>
+<p:sld xmlns:a="http://schemas.openxmlformats.org/drawingml/2006/main" xmlns:r="http://schemas.openxmlformats.org/officeDocument/2006/relationships" xmlns:p="http://schemas.openxmlformats.org/presentationml/2006/main">
+  <p:cSld>
+    <p:spTree>
+      <p:nvGrpSpPr>
+        <p:cNvPr id="1" name=""/>
+        <p:cNvGrpSpPr/>
+        <p:nvPr/>
+      </p:nvGrpSpPr>
+      <p:grpSpPr>
+        <a:xfrm>
+          <a:off x="0" y="0"/>
+          <a:ext cx="0" cy="0"/>
+          <a:chOff x="0" y="0"/>
+          <a:chExt cx="0" cy="0"/>
+        </a:xfrm>
+      </p:grpSpPr>
+      <p:sp>
+        <p:nvSpPr>
+          <p:cNvPr id="2" name="标题 1"/>
+          <p:cNvSpPr>
+            <a:spLocks noGrp="1"/>
+          </p:cNvSpPr>
+          <p:nvPr>
+            <p:ph type="title"/>
+          </p:nvPr>
+        </p:nvSpPr>
+        <p:spPr/>
+        <p:txBody>
+          <a:bodyPr/>
+          <a:lstStyle/>
+          <a:p>
+            <a:endParaRPr lang="zh-CN" altLang="en-US"/>
+          </a:p>
+        </p:txBody>
+      </p:sp>
+      <p:pic>
+        <p:nvPicPr>
+          <p:cNvPr id="4" name="内容占位符 3"/>
+          <p:cNvPicPr>
+            <a:picLocks noGrp="1" noChangeAspect="1"/>
+          </p:cNvPicPr>
+          <p:nvPr>
+            <p:ph idx="1"/>
+          </p:nvPr>
+        </p:nvPicPr>
+        <p:blipFill>
+          <a:blip r:embed="rId2">
+            <a:extLst>
+              <a:ext uri="{28A0092B-C50C-407E-A947-70E740481C1C}">
+                <a14:useLocalDpi xmlns:a14="http://schemas.microsoft.com/office/drawing/2010/main" val="0"/>
+              </a:ext>
+            </a:extLst>
+          </a:blip>
+          <a:stretch>
+            <a:fillRect/>
+          </a:stretch>
+        </p:blipFill>
+        <p:spPr>
+          <a:xfrm>
+            <a:off x="457200" y="1732694"/>
+            <a:ext cx="8229600" cy="4260974"/>
+          </a:xfrm>
+        </p:spPr>
+      </p:pic>
+    </p:spTree>
+    <p:extLst>
+      <p:ext uri="{BB962C8B-B14F-4D97-AF65-F5344CB8AC3E}">
+        <p14:creationId xmlns:p14="http://schemas.microsoft.com/office/powerpoint/2010/main" val="1692439674"/>
+      </p:ext>
+    </p:extLst>
+  </p:cSld>
+  <p:clrMapOvr>
+    <a:masterClrMapping/>
+  </p:clrMapOvr>
+</p:sld>
+</file>
+
+<file path=ppt/slides/slide18.xml><?xml version="1.0" encoding="utf-8"?>
+<p:sld xmlns:a="http://schemas.openxmlformats.org/drawingml/2006/main" xmlns:r="http://schemas.openxmlformats.org/officeDocument/2006/relationships" xmlns:p="http://schemas.openxmlformats.org/presentationml/2006/main">
+  <p:cSld>
+    <p:spTree>
+      <p:nvGrpSpPr>
+        <p:cNvPr id="1" name=""/>
+        <p:cNvGrpSpPr/>
+        <p:nvPr/>
+      </p:nvGrpSpPr>
+      <p:grpSpPr>
+        <a:xfrm>
+          <a:off x="0" y="0"/>
+          <a:ext cx="0" cy="0"/>
+          <a:chOff x="0" y="0"/>
+          <a:chExt cx="0" cy="0"/>
+        </a:xfrm>
+      </p:grpSpPr>
+      <p:sp>
+        <p:nvSpPr>
+          <p:cNvPr id="2" name="标题 1"/>
+          <p:cNvSpPr>
+            <a:spLocks noGrp="1"/>
+          </p:cNvSpPr>
+          <p:nvPr>
+            <p:ph type="title"/>
+          </p:nvPr>
+        </p:nvSpPr>
+        <p:spPr/>
+        <p:txBody>
+          <a:bodyPr>
+            <a:normAutofit/>
+          </a:bodyPr>
+          <a:lstStyle/>
+          <a:p>
+            <a:r>
+              <a:rPr lang="en-US" altLang="zh-CN" b="1" dirty="0" smtClean="0"/>
+              <a:t>Timeline</a:t>
+            </a:r>
+            <a:r>
+              <a:rPr lang="zh-CN" altLang="en-US" b="1" dirty="0"/>
+              <a:t>里的嵌套事件</a:t>
+            </a:r>
+            <a:r>
+              <a:rPr lang="zh-CN" altLang="en-US" b="1" dirty="0" smtClean="0"/>
+              <a:t>着色</a:t>
+            </a:r>
+            <a:endParaRPr lang="zh-CN" altLang="en-US" dirty="0"/>
+          </a:p>
+        </p:txBody>
+      </p:sp>
+      <p:sp>
+        <p:nvSpPr>
+          <p:cNvPr id="3" name="内容占位符 2"/>
+          <p:cNvSpPr>
+            <a:spLocks noGrp="1"/>
+          </p:cNvSpPr>
+          <p:nvPr>
+            <p:ph idx="1"/>
+          </p:nvPr>
+        </p:nvSpPr>
+        <p:spPr/>
+        <p:txBody>
+          <a:bodyPr/>
+          <a:lstStyle/>
+          <a:p>
+            <a:r>
+              <a:rPr lang="en-US" altLang="zh-CN" dirty="0"/>
+              <a:t>Timeline</a:t>
+            </a:r>
+            <a:r>
+              <a:rPr lang="zh-CN" altLang="en-US" dirty="0"/>
+              <a:t>条按照以下着色：</a:t>
+            </a:r>
+          </a:p>
+          <a:p>
+            <a:r>
+              <a:rPr lang="zh-CN" altLang="en-US" dirty="0"/>
+              <a:t>最前面的、颜色最深的条代表事件和它的所有的同步子事件花费的时间。</a:t>
+            </a:r>
+          </a:p>
+          <a:p>
+            <a:r>
+              <a:rPr lang="zh-CN" altLang="en-US" dirty="0"/>
+              <a:t>接着稍微淡一点的颜色代表时间和它的所有异步子事件的</a:t>
+            </a:r>
+            <a:r>
+              <a:rPr lang="en-US" altLang="zh-CN" dirty="0"/>
+              <a:t>CPU</a:t>
+            </a:r>
+            <a:r>
+              <a:rPr lang="zh-CN" altLang="en-US" dirty="0"/>
+              <a:t>计算时间。</a:t>
+            </a:r>
+          </a:p>
+          <a:p>
+            <a:r>
+              <a:rPr lang="zh-CN" altLang="en-US" dirty="0"/>
+              <a:t>最淡的条代表从第一个异步事件开始到最后一个异步事件结束所花费的时间。</a:t>
+            </a:r>
+          </a:p>
+          <a:p>
+            <a:endParaRPr lang="zh-CN" altLang="en-US" dirty="0"/>
+          </a:p>
+        </p:txBody>
+      </p:sp>
+    </p:spTree>
+    <p:extLst>
+      <p:ext uri="{BB962C8B-B14F-4D97-AF65-F5344CB8AC3E}">
+        <p14:creationId xmlns:p14="http://schemas.microsoft.com/office/powerpoint/2010/main" val="3427095787"/>
+      </p:ext>
+    </p:extLst>
+  </p:cSld>
+  <p:clrMapOvr>
+    <a:masterClrMapping/>
+  </p:clrMapOvr>
+</p:sld>
+</file>
+
+<file path=ppt/slides/slide19.xml><?xml version="1.0" encoding="utf-8"?>
+<p:sld xmlns:a="http://schemas.openxmlformats.org/drawingml/2006/main" xmlns:r="http://schemas.openxmlformats.org/officeDocument/2006/relationships" xmlns:p="http://schemas.openxmlformats.org/presentationml/2006/main">
+  <p:cSld>
+    <p:spTree>
+      <p:nvGrpSpPr>
+        <p:cNvPr id="1" name=""/>
+        <p:cNvGrpSpPr/>
+        <p:nvPr/>
+      </p:nvGrpSpPr>
+      <p:grpSpPr>
+        <a:xfrm>
+          <a:off x="0" y="0"/>
+          <a:ext cx="0" cy="0"/>
+          <a:chOff x="0" y="0"/>
+          <a:chExt cx="0" cy="0"/>
+        </a:xfrm>
+      </p:grpSpPr>
+      <p:sp>
+        <p:nvSpPr>
+          <p:cNvPr id="2" name="标题 1"/>
+          <p:cNvSpPr>
+            <a:spLocks noGrp="1"/>
+          </p:cNvSpPr>
+          <p:nvPr>
+            <p:ph type="title"/>
+          </p:nvPr>
+        </p:nvSpPr>
+        <p:spPr/>
+        <p:txBody>
+          <a:bodyPr/>
+          <a:lstStyle/>
+          <a:p>
+            <a:endParaRPr lang="zh-CN" altLang="en-US"/>
+          </a:p>
+        </p:txBody>
+      </p:sp>
+      <p:pic>
+        <p:nvPicPr>
+          <p:cNvPr id="4" name="内容占位符 3"/>
+          <p:cNvPicPr>
+            <a:picLocks noGrp="1" noChangeAspect="1"/>
+          </p:cNvPicPr>
+          <p:nvPr>
+            <p:ph idx="1"/>
+          </p:nvPr>
+        </p:nvPicPr>
+        <p:blipFill>
+          <a:blip r:embed="rId2">
+            <a:extLst>
+              <a:ext uri="{28A0092B-C50C-407E-A947-70E740481C1C}">
+                <a14:useLocalDpi xmlns:a14="http://schemas.microsoft.com/office/drawing/2010/main" val="0"/>
+              </a:ext>
+            </a:extLst>
+          </a:blip>
+          <a:stretch>
+            <a:fillRect/>
+          </a:stretch>
+        </p:blipFill>
+        <p:spPr>
+          <a:xfrm>
+            <a:off x="842962" y="2443956"/>
+            <a:ext cx="7458075" cy="2838450"/>
+          </a:xfrm>
+        </p:spPr>
+      </p:pic>
+    </p:spTree>
+    <p:extLst>
+      <p:ext uri="{BB962C8B-B14F-4D97-AF65-F5344CB8AC3E}">
+        <p14:creationId xmlns:p14="http://schemas.microsoft.com/office/powerpoint/2010/main" val="3818309339"/>
+      </p:ext>
+    </p:extLst>
+  </p:cSld>
+  <p:clrMapOvr>
+    <a:masterClrMapping/>
+  </p:clrMapOvr>
+</p:sld>
+</file>
+
 <file path=ppt/slides/slide2.xml><?xml version="1.0" encoding="utf-8"?>
 <p:sld xmlns:a="http://schemas.openxmlformats.org/drawingml/2006/main" xmlns:r="http://schemas.openxmlformats.org/officeDocument/2006/relationships" xmlns:p="http://schemas.openxmlformats.org/presentationml/2006/main">
   <p:cSld>
@@ -3491,6 +4740,68 @@
           </a:p>
         </p:txBody>
       </p:sp>
+    </p:spTree>
+  </p:cSld>
+  <p:clrMapOvr>
+    <a:masterClrMapping/>
+  </p:clrMapOvr>
+  <p:timing>
+    <p:tnLst>
+      <p:par>
+        <p:cTn id="1" dur="indefinite" restart="never" nodeType="tmRoot"/>
+      </p:par>
+    </p:tnLst>
+  </p:timing>
+</p:sld>
+</file>
+
+<file path=ppt/slides/slide20.xml><?xml version="1.0" encoding="utf-8"?>
+<p:sld xmlns:a="http://schemas.openxmlformats.org/drawingml/2006/main" xmlns:r="http://schemas.openxmlformats.org/officeDocument/2006/relationships" xmlns:p="http://schemas.openxmlformats.org/presentationml/2006/main">
+  <p:cSld>
+    <p:spTree>
+      <p:nvGrpSpPr>
+        <p:cNvPr id="1" name=""/>
+        <p:cNvGrpSpPr/>
+        <p:nvPr/>
+      </p:nvGrpSpPr>
+      <p:grpSpPr>
+        <a:xfrm>
+          <a:off x="0" y="0"/>
+          <a:ext cx="0" cy="0"/>
+          <a:chOff x="0" y="0"/>
+          <a:chExt cx="0" cy="0"/>
+        </a:xfrm>
+      </p:grpSpPr>
+      <p:pic>
+        <p:nvPicPr>
+          <p:cNvPr id="3" name="图片 2"/>
+          <p:cNvPicPr>
+            <a:picLocks noChangeAspect="1"/>
+          </p:cNvPicPr>
+          <p:nvPr/>
+        </p:nvPicPr>
+        <p:blipFill>
+          <a:blip r:embed="rId2" cstate="print">
+            <a:extLst>
+              <a:ext uri="{28A0092B-C50C-407E-A947-70E740481C1C}">
+                <a14:useLocalDpi xmlns:a14="http://schemas.microsoft.com/office/drawing/2010/main" val="0"/>
+              </a:ext>
+            </a:extLst>
+          </a:blip>
+          <a:stretch>
+            <a:fillRect/>
+          </a:stretch>
+        </p:blipFill>
+        <p:spPr>
+          <a:xfrm>
+            <a:off x="0" y="0"/>
+            <a:ext cx="9144000" cy="6858000"/>
+          </a:xfrm>
+          <a:prstGeom prst="rect">
+            <a:avLst/>
+          </a:prstGeom>
+        </p:spPr>
+      </p:pic>
     </p:spTree>
   </p:cSld>
   <p:clrMapOvr>
@@ -3860,7 +5171,7 @@
       </p:sp>
       <p:pic>
         <p:nvPicPr>
-          <p:cNvPr id="3074" name="Picture 2" descr="d:\我的配置\桌面\timeline-2.png"/>
+          <p:cNvPr id="1027" name="Picture 3" descr="E:\软件安装包\FastStoneCapturecn\EditWith\FastStoneEditor.png"/>
           <p:cNvPicPr>
             <a:picLocks noChangeAspect="1" noChangeArrowheads="1"/>
           </p:cNvPicPr>
@@ -3881,8 +5192,8 @@
         </p:blipFill>
         <p:spPr bwMode="auto">
           <a:xfrm>
-            <a:off x="1185863" y="685800"/>
-            <a:ext cx="6772275" cy="5486400"/>
+            <a:off x="1331640" y="1924116"/>
+            <a:ext cx="5700490" cy="4933884"/>
           </a:xfrm>
           <a:prstGeom prst="rect">
             <a:avLst/>
@@ -3956,9 +5267,19 @@
         </p:nvSpPr>
         <p:spPr/>
         <p:txBody>
-          <a:bodyPr/>
-          <a:lstStyle/>
-          <a:p>
+          <a:bodyPr>
+            <a:normAutofit/>
+          </a:bodyPr>
+          <a:lstStyle/>
+          <a:p>
+            <a:r>
+              <a:rPr lang="zh-CN" altLang="en-US" b="1" dirty="0"/>
+              <a:t>颜色的</a:t>
+            </a:r>
+            <a:r>
+              <a:rPr lang="zh-CN" altLang="en-US" b="1" dirty="0" smtClean="0"/>
+              <a:t>属性</a:t>
+            </a:r>
             <a:endParaRPr lang="zh-CN" altLang="en-US" dirty="0"/>
           </a:p>
         </p:txBody>
@@ -3988,7 +5309,7 @@
         </p:blipFill>
         <p:spPr bwMode="auto">
           <a:xfrm>
-            <a:off x="539552" y="1628800"/>
+            <a:off x="827584" y="3212976"/>
             <a:ext cx="7705725" cy="590550"/>
           </a:xfrm>
           <a:prstGeom prst="rect">
@@ -4008,14 +5329,14 @@
       </p:pic>
       <p:sp>
         <p:nvSpPr>
-          <p:cNvPr id="4" name="TextBox 3"/>
+          <p:cNvPr id="3" name="TextBox 2"/>
           <p:cNvSpPr txBox="1"/>
           <p:nvPr/>
         </p:nvSpPr>
         <p:spPr>
           <a:xfrm>
-            <a:off x="1331640" y="3212976"/>
-            <a:ext cx="1569660" cy="1200329"/>
+            <a:off x="1043608" y="1974739"/>
+            <a:ext cx="6417141" cy="923330"/>
           </a:xfrm>
           <a:prstGeom prst="rect">
             <a:avLst/>
@@ -4030,29 +5351,39 @@
           <a:p>
             <a:r>
               <a:rPr lang="zh-CN" altLang="en-US" dirty="0"/>
-              <a:t>蓝色：加载；</a:t>
-            </a:r>
-            <a:br>
+              <a:t>在记录期间，每个事件以“瀑布”的形式记录在记录视图中</a:t>
+            </a:r>
+            <a:r>
+              <a:rPr lang="zh-CN" altLang="en-US" dirty="0" smtClean="0"/>
+              <a:t>。</a:t>
+            </a:r>
+            <a:endParaRPr lang="en-US" altLang="zh-CN" dirty="0" smtClean="0"/>
+          </a:p>
+          <a:p>
+            <a:r>
+              <a:rPr lang="zh-CN" altLang="en-US" dirty="0" smtClean="0"/>
+              <a:t>记录</a:t>
+            </a:r>
+            <a:r>
               <a:rPr lang="zh-CN" altLang="en-US" dirty="0"/>
-            </a:br>
+              <a:t>类型有以下四种：加载、脚本执行、渲染和绘制</a:t>
+            </a:r>
+            <a:r>
+              <a:rPr lang="zh-CN" altLang="en-US" dirty="0" smtClean="0"/>
+              <a:t>。</a:t>
+            </a:r>
+            <a:endParaRPr lang="en-US" altLang="zh-CN" dirty="0" smtClean="0"/>
+          </a:p>
+          <a:p>
+            <a:r>
+              <a:rPr lang="zh-CN" altLang="en-US" dirty="0" smtClean="0"/>
+              <a:t>这些</a:t>
+            </a:r>
             <a:r>
               <a:rPr lang="zh-CN" altLang="en-US" dirty="0"/>
-              <a:t>黄色：脚本；</a:t>
-            </a:r>
-            <a:br>
-              <a:rPr lang="zh-CN" altLang="en-US" dirty="0"/>
-            </a:br>
-            <a:r>
-              <a:rPr lang="zh-CN" altLang="en-US" dirty="0"/>
-              <a:t>紫色：渲染；</a:t>
-            </a:r>
-            <a:br>
-              <a:rPr lang="zh-CN" altLang="en-US" dirty="0"/>
-            </a:br>
-            <a:r>
-              <a:rPr lang="zh-CN" altLang="en-US" dirty="0"/>
-              <a:t>绿色：绘制</a:t>
-            </a:r>
+              <a:t>记录以颜色区分，如下：</a:t>
+            </a:r>
+            <a:endParaRPr lang="zh-CN" altLang="en-US" dirty="0"/>
           </a:p>
         </p:txBody>
       </p:sp>
@@ -4093,48 +5424,450 @@
           <a:chExt cx="0" cy="0"/>
         </a:xfrm>
       </p:grpSpPr>
+      <p:sp>
+        <p:nvSpPr>
+          <p:cNvPr id="2" name="标题 1"/>
+          <p:cNvSpPr>
+            <a:spLocks noGrp="1"/>
+          </p:cNvSpPr>
+          <p:nvPr>
+            <p:ph type="title"/>
+          </p:nvPr>
+        </p:nvSpPr>
+        <p:spPr/>
+        <p:txBody>
+          <a:bodyPr>
+            <a:normAutofit/>
+          </a:bodyPr>
+          <a:lstStyle/>
+          <a:p>
+            <a:r>
+              <a:rPr lang="zh-CN" altLang="en-US" b="1" dirty="0" smtClean="0"/>
+              <a:t>过滤</a:t>
+            </a:r>
+            <a:endParaRPr lang="zh-CN" altLang="en-US" dirty="0"/>
+          </a:p>
+        </p:txBody>
+      </p:sp>
+      <p:sp>
+        <p:nvSpPr>
+          <p:cNvPr id="3" name="内容占位符 2"/>
+          <p:cNvSpPr>
+            <a:spLocks noGrp="1"/>
+          </p:cNvSpPr>
+          <p:nvPr>
+            <p:ph idx="1"/>
+          </p:nvPr>
+        </p:nvSpPr>
+        <p:spPr/>
+        <p:txBody>
+          <a:bodyPr>
+            <a:normAutofit/>
+          </a:bodyPr>
+          <a:lstStyle/>
+          <a:p>
+            <a:pPr marL="0" indent="0">
+              <a:buNone/>
+            </a:pPr>
+            <a:r>
+              <a:rPr lang="zh-CN" altLang="en-US" sz="1200" dirty="0"/>
+              <a:t>过滤面板可以对不同类型的事件和花费时间进行过滤，</a:t>
+            </a:r>
+            <a:r>
+              <a:rPr lang="zh-CN" altLang="en-US" sz="1200" dirty="0" smtClean="0"/>
+              <a:t>非常</a:t>
+            </a:r>
+            <a:r>
+              <a:rPr lang="zh-CN" altLang="en-US" sz="1200" dirty="0"/>
+              <a:t>好用</a:t>
+            </a:r>
+            <a:r>
+              <a:rPr lang="zh-CN" altLang="en-US" sz="1200" dirty="0" smtClean="0"/>
+              <a:t>：</a:t>
+            </a:r>
+            <a:endParaRPr lang="en-US" altLang="zh-CN" sz="1200" dirty="0" smtClean="0"/>
+          </a:p>
+          <a:p>
+            <a:pPr marL="0" indent="0">
+              <a:buNone/>
+            </a:pPr>
+            <a:endParaRPr lang="zh-CN" altLang="en-US" sz="1200" dirty="0"/>
+          </a:p>
+        </p:txBody>
+      </p:sp>
       <p:pic>
         <p:nvPicPr>
-          <p:cNvPr id="3" name="图片 2"/>
+          <p:cNvPr id="2050" name="Picture 2" descr="E:\软件安装包\FastStoneCapturecn\EditWith\FastStoneEditor.png"/>
           <p:cNvPicPr>
-            <a:picLocks noChangeAspect="1"/>
+            <a:picLocks noChangeAspect="1" noChangeArrowheads="1"/>
           </p:cNvPicPr>
           <p:nvPr/>
         </p:nvPicPr>
         <p:blipFill>
-          <a:blip r:embed="rId2" cstate="print">
+          <a:blip r:embed="rId2">
             <a:extLst>
               <a:ext uri="{28A0092B-C50C-407E-A947-70E740481C1C}">
                 <a14:useLocalDpi xmlns:a14="http://schemas.microsoft.com/office/drawing/2010/main" val="0"/>
               </a:ext>
             </a:extLst>
           </a:blip>
+          <a:srcRect/>
           <a:stretch>
             <a:fillRect/>
           </a:stretch>
         </p:blipFill>
-        <p:spPr>
+        <p:spPr bwMode="auto">
           <a:xfrm>
-            <a:off x="0" y="0"/>
-            <a:ext cx="9144000" cy="6858000"/>
+            <a:off x="539552" y="2132856"/>
+            <a:ext cx="8021536" cy="2520280"/>
           </a:xfrm>
           <a:prstGeom prst="rect">
             <a:avLst/>
           </a:prstGeom>
+          <a:noFill/>
+          <a:extLst>
+            <a:ext uri="{909E8E84-426E-40DD-AFC4-6F175D3DCCD1}">
+              <a14:hiddenFill xmlns:a14="http://schemas.microsoft.com/office/drawing/2010/main">
+                <a:solidFill>
+                  <a:srgbClr val="FFFFFF"/>
+                </a:solidFill>
+              </a14:hiddenFill>
+            </a:ext>
+          </a:extLst>
         </p:spPr>
       </p:pic>
     </p:spTree>
+    <p:extLst>
+      <p:ext uri="{BB962C8B-B14F-4D97-AF65-F5344CB8AC3E}">
+        <p14:creationId xmlns:p14="http://schemas.microsoft.com/office/powerpoint/2010/main" val="2110544710"/>
+      </p:ext>
+    </p:extLst>
   </p:cSld>
   <p:clrMapOvr>
     <a:masterClrMapping/>
   </p:clrMapOvr>
-  <p:timing>
-    <p:tnLst>
-      <p:par>
-        <p:cTn id="1" dur="indefinite" restart="never" nodeType="tmRoot"/>
-      </p:par>
-    </p:tnLst>
-  </p:timing>
+</p:sld>
+</file>
+
+<file path=ppt/slides/slide8.xml><?xml version="1.0" encoding="utf-8"?>
+<p:sld xmlns:a="http://schemas.openxmlformats.org/drawingml/2006/main" xmlns:r="http://schemas.openxmlformats.org/officeDocument/2006/relationships" xmlns:p="http://schemas.openxmlformats.org/presentationml/2006/main">
+  <p:cSld>
+    <p:spTree>
+      <p:nvGrpSpPr>
+        <p:cNvPr id="1" name=""/>
+        <p:cNvGrpSpPr/>
+        <p:nvPr/>
+      </p:nvGrpSpPr>
+      <p:grpSpPr>
+        <a:xfrm>
+          <a:off x="0" y="0"/>
+          <a:ext cx="0" cy="0"/>
+          <a:chOff x="0" y="0"/>
+          <a:chExt cx="0" cy="0"/>
+        </a:xfrm>
+      </p:grpSpPr>
+      <p:sp>
+        <p:nvSpPr>
+          <p:cNvPr id="2" name="标题 1"/>
+          <p:cNvSpPr>
+            <a:spLocks noGrp="1"/>
+          </p:cNvSpPr>
+          <p:nvPr>
+            <p:ph type="title"/>
+          </p:nvPr>
+        </p:nvSpPr>
+        <p:spPr/>
+        <p:txBody>
+          <a:bodyPr/>
+          <a:lstStyle/>
+          <a:p>
+            <a:endParaRPr lang="zh-CN" altLang="en-US"/>
+          </a:p>
+        </p:txBody>
+      </p:sp>
+      <p:sp>
+        <p:nvSpPr>
+          <p:cNvPr id="3" name="内容占位符 2"/>
+          <p:cNvSpPr>
+            <a:spLocks noGrp="1"/>
+          </p:cNvSpPr>
+          <p:nvPr>
+            <p:ph idx="1"/>
+          </p:nvPr>
+        </p:nvSpPr>
+        <p:spPr/>
+        <p:txBody>
+          <a:bodyPr/>
+          <a:lstStyle/>
+          <a:p>
+            <a:r>
+              <a:rPr lang="zh-CN" altLang="en-US" dirty="0" smtClean="0"/>
+              <a:t>在</a:t>
+            </a:r>
+            <a:r>
+              <a:rPr lang="en-US" altLang="zh-CN" dirty="0" smtClean="0"/>
+              <a:t>RECORDS</a:t>
+            </a:r>
+            <a:r>
+              <a:rPr lang="zh-CN" altLang="en-US" dirty="0" smtClean="0"/>
+              <a:t>里可以看到各种事件</a:t>
+            </a:r>
+            <a:r>
+              <a:rPr lang="en-US" altLang="zh-CN" dirty="0" smtClean="0"/>
+              <a:t>,</a:t>
+            </a:r>
+            <a:r>
+              <a:rPr lang="zh-CN" altLang="en-US" dirty="0" smtClean="0"/>
+              <a:t>右侧是一些栅栏</a:t>
+            </a:r>
+            <a:r>
+              <a:rPr lang="en-US" altLang="zh-CN" dirty="0" smtClean="0"/>
+              <a:t>,</a:t>
+            </a:r>
+            <a:r>
+              <a:rPr lang="zh-CN" altLang="en-US" dirty="0" smtClean="0"/>
+              <a:t>可以直观的看到各个事件的耗时等等</a:t>
+            </a:r>
+            <a:r>
+              <a:rPr lang="en-US" altLang="zh-CN" dirty="0" smtClean="0"/>
+              <a:t>.</a:t>
+            </a:r>
+            <a:r>
+              <a:rPr lang="zh-CN" altLang="en-US" dirty="0" smtClean="0"/>
+              <a:t>同时</a:t>
+            </a:r>
+            <a:r>
+              <a:rPr lang="en-US" altLang="zh-CN" dirty="0" smtClean="0"/>
+              <a:t>,</a:t>
+            </a:r>
+            <a:r>
+              <a:rPr lang="zh-CN" altLang="en-US" dirty="0" smtClean="0"/>
+              <a:t>可以在底部看到选择的记录范围各个事件的时间开销</a:t>
+            </a:r>
+            <a:endParaRPr lang="en-US" altLang="zh-CN" dirty="0" smtClean="0"/>
+          </a:p>
+          <a:p>
+            <a:endParaRPr lang="zh-CN" altLang="en-US" dirty="0"/>
+          </a:p>
+        </p:txBody>
+      </p:sp>
+      <p:pic>
+        <p:nvPicPr>
+          <p:cNvPr id="3074" name="Picture 2"/>
+          <p:cNvPicPr>
+            <a:picLocks noChangeAspect="1" noChangeArrowheads="1"/>
+          </p:cNvPicPr>
+          <p:nvPr/>
+        </p:nvPicPr>
+        <p:blipFill>
+          <a:blip r:embed="rId2">
+            <a:extLst>
+              <a:ext uri="{28A0092B-C50C-407E-A947-70E740481C1C}">
+                <a14:useLocalDpi xmlns:a14="http://schemas.microsoft.com/office/drawing/2010/main" val="0"/>
+              </a:ext>
+            </a:extLst>
+          </a:blip>
+          <a:srcRect/>
+          <a:stretch>
+            <a:fillRect/>
+          </a:stretch>
+        </p:blipFill>
+        <p:spPr bwMode="auto">
+          <a:xfrm>
+            <a:off x="1979712" y="3861048"/>
+            <a:ext cx="4600575" cy="2114550"/>
+          </a:xfrm>
+          <a:prstGeom prst="rect">
+            <a:avLst/>
+          </a:prstGeom>
+          <a:noFill/>
+          <a:ln>
+            <a:noFill/>
+          </a:ln>
+          <a:effectLst/>
+          <a:extLst>
+            <a:ext uri="{909E8E84-426E-40DD-AFC4-6F175D3DCCD1}">
+              <a14:hiddenFill xmlns:a14="http://schemas.microsoft.com/office/drawing/2010/main">
+                <a:solidFill>
+                  <a:schemeClr val="accent1"/>
+                </a:solidFill>
+              </a14:hiddenFill>
+            </a:ext>
+            <a:ext uri="{91240B29-F687-4F45-9708-019B960494DF}">
+              <a14:hiddenLine xmlns:a14="http://schemas.microsoft.com/office/drawing/2010/main" w="9525">
+                <a:solidFill>
+                  <a:schemeClr val="tx1"/>
+                </a:solidFill>
+                <a:miter lim="800000"/>
+                <a:headEnd/>
+                <a:tailEnd/>
+              </a14:hiddenLine>
+            </a:ext>
+            <a:ext uri="{AF507438-7753-43E0-B8FC-AC1667EBCBE1}">
+              <a14:hiddenEffects xmlns:a14="http://schemas.microsoft.com/office/drawing/2010/main">
+                <a:effectLst>
+                  <a:outerShdw dist="35921" dir="2700000" algn="ctr" rotWithShape="0">
+                    <a:schemeClr val="bg2"/>
+                  </a:outerShdw>
+                </a:effectLst>
+              </a14:hiddenEffects>
+            </a:ext>
+          </a:extLst>
+        </p:spPr>
+      </p:pic>
+    </p:spTree>
+    <p:extLst>
+      <p:ext uri="{BB962C8B-B14F-4D97-AF65-F5344CB8AC3E}">
+        <p14:creationId xmlns:p14="http://schemas.microsoft.com/office/powerpoint/2010/main" val="275182630"/>
+      </p:ext>
+    </p:extLst>
+  </p:cSld>
+  <p:clrMapOvr>
+    <a:masterClrMapping/>
+  </p:clrMapOvr>
+</p:sld>
+</file>
+
+<file path=ppt/slides/slide9.xml><?xml version="1.0" encoding="utf-8"?>
+<p:sld xmlns:a="http://schemas.openxmlformats.org/drawingml/2006/main" xmlns:r="http://schemas.openxmlformats.org/officeDocument/2006/relationships" xmlns:p="http://schemas.openxmlformats.org/presentationml/2006/main">
+  <p:cSld>
+    <p:spTree>
+      <p:nvGrpSpPr>
+        <p:cNvPr id="1" name=""/>
+        <p:cNvGrpSpPr/>
+        <p:nvPr/>
+      </p:nvGrpSpPr>
+      <p:grpSpPr>
+        <a:xfrm>
+          <a:off x="0" y="0"/>
+          <a:ext cx="0" cy="0"/>
+          <a:chOff x="0" y="0"/>
+          <a:chExt cx="0" cy="0"/>
+        </a:xfrm>
+      </p:grpSpPr>
+      <p:sp>
+        <p:nvSpPr>
+          <p:cNvPr id="2" name="标题 1"/>
+          <p:cNvSpPr>
+            <a:spLocks noGrp="1"/>
+          </p:cNvSpPr>
+          <p:nvPr>
+            <p:ph type="title"/>
+          </p:nvPr>
+        </p:nvSpPr>
+        <p:spPr/>
+        <p:txBody>
+          <a:bodyPr/>
+          <a:lstStyle/>
+          <a:p>
+            <a:r>
+              <a:rPr lang="zh-CN" altLang="en-US" b="1" dirty="0"/>
+              <a:t>名词</a:t>
+            </a:r>
+            <a:r>
+              <a:rPr lang="zh-CN" altLang="en-US" b="1" dirty="0" smtClean="0"/>
+              <a:t>解释</a:t>
+            </a:r>
+            <a:endParaRPr lang="zh-CN" altLang="en-US" b="1" dirty="0"/>
+          </a:p>
+        </p:txBody>
+      </p:sp>
+      <p:sp>
+        <p:nvSpPr>
+          <p:cNvPr id="3" name="内容占位符 2"/>
+          <p:cNvSpPr>
+            <a:spLocks noGrp="1"/>
+          </p:cNvSpPr>
+          <p:nvPr>
+            <p:ph idx="1"/>
+          </p:nvPr>
+        </p:nvSpPr>
+        <p:spPr/>
+        <p:txBody>
+          <a:bodyPr/>
+          <a:lstStyle/>
+          <a:p>
+            <a:pPr marL="0" indent="0">
+              <a:buNone/>
+            </a:pPr>
+            <a:endParaRPr lang="zh-CN" altLang="en-US" dirty="0"/>
+          </a:p>
+        </p:txBody>
+      </p:sp>
+      <p:pic>
+        <p:nvPicPr>
+          <p:cNvPr id="4098" name="Picture 2"/>
+          <p:cNvPicPr>
+            <a:picLocks noChangeAspect="1" noChangeArrowheads="1"/>
+          </p:cNvPicPr>
+          <p:nvPr/>
+        </p:nvPicPr>
+        <p:blipFill>
+          <a:blip r:embed="rId2">
+            <a:extLst>
+              <a:ext uri="{28A0092B-C50C-407E-A947-70E740481C1C}">
+                <a14:useLocalDpi xmlns:a14="http://schemas.microsoft.com/office/drawing/2010/main" val="0"/>
+              </a:ext>
+            </a:extLst>
+          </a:blip>
+          <a:srcRect/>
+          <a:stretch>
+            <a:fillRect/>
+          </a:stretch>
+        </p:blipFill>
+        <p:spPr bwMode="auto">
+          <a:xfrm>
+            <a:off x="827584" y="1916832"/>
+            <a:ext cx="7505700" cy="2247900"/>
+          </a:xfrm>
+          <a:prstGeom prst="rect">
+            <a:avLst/>
+          </a:prstGeom>
+          <a:noFill/>
+          <a:ln>
+            <a:noFill/>
+          </a:ln>
+          <a:effectLst/>
+          <a:extLst>
+            <a:ext uri="{909E8E84-426E-40DD-AFC4-6F175D3DCCD1}">
+              <a14:hiddenFill xmlns:a14="http://schemas.microsoft.com/office/drawing/2010/main">
+                <a:solidFill>
+                  <a:schemeClr val="accent1"/>
+                </a:solidFill>
+              </a14:hiddenFill>
+            </a:ext>
+            <a:ext uri="{91240B29-F687-4F45-9708-019B960494DF}">
+              <a14:hiddenLine xmlns:a14="http://schemas.microsoft.com/office/drawing/2010/main" w="9525">
+                <a:solidFill>
+                  <a:schemeClr val="tx1"/>
+                </a:solidFill>
+                <a:miter lim="800000"/>
+                <a:headEnd/>
+                <a:tailEnd/>
+              </a14:hiddenLine>
+            </a:ext>
+            <a:ext uri="{AF507438-7753-43E0-B8FC-AC1667EBCBE1}">
+              <a14:hiddenEffects xmlns:a14="http://schemas.microsoft.com/office/drawing/2010/main">
+                <a:effectLst>
+                  <a:outerShdw dist="35921" dir="2700000" algn="ctr" rotWithShape="0">
+                    <a:schemeClr val="bg2"/>
+                  </a:outerShdw>
+                </a:effectLst>
+              </a14:hiddenEffects>
+            </a:ext>
+          </a:extLst>
+        </p:spPr>
+      </p:pic>
+    </p:spTree>
+    <p:extLst>
+      <p:ext uri="{BB962C8B-B14F-4D97-AF65-F5344CB8AC3E}">
+        <p14:creationId xmlns:p14="http://schemas.microsoft.com/office/powerpoint/2010/main" val="1191337373"/>
+      </p:ext>
+    </p:extLst>
+  </p:cSld>
+  <p:clrMapOvr>
+    <a:masterClrMapping/>
+  </p:clrMapOvr>
 </p:sld>
 </file>
 
